--- a/database/slides/TUJHEA_HATAN_JUPRONN_MHOZO.pptx
+++ b/database/slides/TUJHEA_HATAN_JUPRONN_MHOZO.pptx
@@ -16160,7 +16160,13 @@
       </p:sp>
       <p:sp>
         <p:nvSpPr>
-          <p:cNvPr id="131" name="Google Shape;131;p25"/>
+          <p:cNvPr id="2" name="Google Shape;131;p25">
+            <a:extLst>
+              <a:ext uri="{FF2B5EF4-FFF2-40B4-BE49-F238E27FC236}">
+                <a16:creationId xmlns:a16="http://schemas.microsoft.com/office/drawing/2014/main" id="{5383A773-72C1-F1C9-9D4F-DDFE40C92F63}"/>
+              </a:ext>
+            </a:extLst>
+          </p:cNvPr>
           <p:cNvSpPr txBox="1"/>
           <p:nvPr/>
         </p:nvSpPr>
@@ -16183,7 +16189,7 @@
           </a:bodyPr>
           <a:lstStyle/>
           <a:p>
-            <a:pPr marL="0" lvl="0" indent="0" rtl="0">
+            <a:pPr marL="0" lvl="0" indent="0" algn="l" rtl="0">
               <a:spcBef>
                 <a:spcPts val="0"/>
               </a:spcBef>

--- a/database/slides/TUJHEA_HATAN_JUPRONN_MHOZO.pptx
+++ b/database/slides/TUJHEA_HATAN_JUPRONN_MHOZO.pptx
@@ -15567,7 +15567,7 @@
                   <a:schemeClr val="bg1"/>
                 </a:solidFill>
               </a:rPr>
-              <a:t>TUJHEA HATAN JUPRONN MHOZO</a:t>
+              <a:t>TUJHEA HATANT</a:t>
             </a:r>
           </a:p>
         </p:txBody>
@@ -15666,7 +15666,7 @@
                 <a:ea typeface="Calibri" panose="020F0502020204030204" pitchFamily="34" charset="0"/>
                 <a:cs typeface="Calibri" panose="020F0502020204030204" pitchFamily="34" charset="0"/>
               </a:rPr>
-              <a:t>jupronn</a:t>
+              <a:t>jiv-prann</a:t>
             </a:r>
             <a:r>
               <a:rPr lang="en-GB" sz="4000" b="1" dirty="0">
@@ -15768,7 +15768,7 @@
                 <a:ea typeface="Calibri" panose="020F0502020204030204" pitchFamily="34" charset="0"/>
                 <a:cs typeface="Calibri" panose="020F0502020204030204" pitchFamily="34" charset="0"/>
               </a:rPr>
-              <a:t>asro</a:t>
+              <a:t>aasro</a:t>
             </a:r>
             <a:endParaRPr lang="en-GB" sz="4000" b="1" dirty="0">
               <a:solidFill>
@@ -15823,7 +15823,7 @@
                 <a:ea typeface="Calibri" panose="020F0502020204030204" pitchFamily="34" charset="0"/>
                 <a:cs typeface="Calibri" panose="020F0502020204030204" pitchFamily="34" charset="0"/>
               </a:rPr>
-              <a:t>mhozo</a:t>
+              <a:t>mhoje</a:t>
             </a:r>
             <a:r>
               <a:rPr lang="en-GB" sz="4000" b="1" dirty="0">
@@ -15834,7 +15834,7 @@
                 <a:ea typeface="Calibri" panose="020F0502020204030204" pitchFamily="34" charset="0"/>
                 <a:cs typeface="Calibri" panose="020F0502020204030204" pitchFamily="34" charset="0"/>
               </a:rPr>
-              <a:t> </a:t>
+              <a:t>, </a:t>
             </a:r>
             <a:r>
               <a:rPr lang="en-GB" sz="4000" b="1" dirty="0" err="1">
@@ -15903,7 +15903,29 @@
                 <a:ea typeface="Calibri" panose="020F0502020204030204" pitchFamily="34" charset="0"/>
                 <a:cs typeface="Calibri" panose="020F0502020204030204" pitchFamily="34" charset="0"/>
               </a:rPr>
-              <a:t>Nam shanty, </a:t>
+              <a:t>Nam </a:t>
+            </a:r>
+            <a:r>
+              <a:rPr lang="en-GB" sz="4000" b="1" dirty="0" err="1">
+                <a:solidFill>
+                  <a:schemeClr val="bg1"/>
+                </a:solidFill>
+                <a:latin typeface="Calibri" panose="020F0502020204030204" pitchFamily="34" charset="0"/>
+                <a:ea typeface="Calibri" panose="020F0502020204030204" pitchFamily="34" charset="0"/>
+                <a:cs typeface="Calibri" panose="020F0502020204030204" pitchFamily="34" charset="0"/>
+              </a:rPr>
+              <a:t>xanti</a:t>
+            </a:r>
+            <a:r>
+              <a:rPr lang="en-GB" sz="4000" b="1" dirty="0">
+                <a:solidFill>
+                  <a:schemeClr val="bg1"/>
+                </a:solidFill>
+                <a:latin typeface="Calibri" panose="020F0502020204030204" pitchFamily="34" charset="0"/>
+                <a:ea typeface="Calibri" panose="020F0502020204030204" pitchFamily="34" charset="0"/>
+                <a:cs typeface="Calibri" panose="020F0502020204030204" pitchFamily="34" charset="0"/>
+              </a:rPr>
+              <a:t>, </a:t>
             </a:r>
             <a:r>
               <a:rPr lang="en-GB" sz="4000" b="1" dirty="0" err="1">
@@ -15938,14 +15960,17 @@
               </a:rPr>
               <a:t>bhorvanso</a:t>
             </a:r>
-            <a:endParaRPr lang="en-GB" sz="4000" b="1" dirty="0">
-              <a:solidFill>
-                <a:schemeClr val="bg1"/>
-              </a:solidFill>
-              <a:latin typeface="Calibri" panose="020F0502020204030204" pitchFamily="34" charset="0"/>
-              <a:ea typeface="Calibri" panose="020F0502020204030204" pitchFamily="34" charset="0"/>
-              <a:cs typeface="Calibri" panose="020F0502020204030204" pitchFamily="34" charset="0"/>
-            </a:endParaRPr>
+            <a:r>
+              <a:rPr lang="en-GB" sz="4000" b="1" dirty="0">
+                <a:solidFill>
+                  <a:schemeClr val="bg1"/>
+                </a:solidFill>
+                <a:latin typeface="Calibri" panose="020F0502020204030204" pitchFamily="34" charset="0"/>
+                <a:ea typeface="Calibri" panose="020F0502020204030204" pitchFamily="34" charset="0"/>
+                <a:cs typeface="Calibri" panose="020F0502020204030204" pitchFamily="34" charset="0"/>
+              </a:rPr>
+              <a:t> [2]</a:t>
+            </a:r>
           </a:p>
           <a:p>
             <a:pPr marL="114300" indent="0">
@@ -15983,6 +16008,17 @@
               <a:buNone/>
             </a:pPr>
             <a:r>
+              <a:rPr lang="en-GB" sz="3800" b="1" i="1" dirty="0" err="1">
+                <a:solidFill>
+                  <a:schemeClr val="bg1"/>
+                </a:solidFill>
+                <a:latin typeface="Calibri" panose="020F0502020204030204" pitchFamily="34" charset="0"/>
+                <a:ea typeface="Calibri" panose="020F0502020204030204" pitchFamily="34" charset="0"/>
+                <a:cs typeface="Calibri" panose="020F0502020204030204" pitchFamily="34" charset="0"/>
+              </a:rPr>
+              <a:t>Jezu</a:t>
+            </a:r>
+            <a:r>
               <a:rPr lang="en-GB" sz="3800" b="1" i="1" dirty="0">
                 <a:solidFill>
                   <a:schemeClr val="bg1"/>
@@ -15991,7 +16027,7 @@
                 <a:ea typeface="Calibri" panose="020F0502020204030204" pitchFamily="34" charset="0"/>
                 <a:cs typeface="Calibri" panose="020F0502020204030204" pitchFamily="34" charset="0"/>
               </a:rPr>
-              <a:t>Jesu tum mog </a:t>
+              <a:t> tum mog </a:t>
             </a:r>
             <a:r>
               <a:rPr lang="en-GB" sz="3800" b="1" i="1" dirty="0" err="1">
@@ -16024,7 +16060,7 @@
                 <a:ea typeface="Calibri" panose="020F0502020204030204" pitchFamily="34" charset="0"/>
                 <a:cs typeface="Calibri" panose="020F0502020204030204" pitchFamily="34" charset="0"/>
               </a:rPr>
-              <a:t>Omrud</a:t>
+              <a:t>Omrut</a:t>
             </a:r>
             <a:r>
               <a:rPr lang="en-GB" sz="3800" b="1" i="1" dirty="0">
@@ -16123,7 +16159,7 @@
                 <a:ea typeface="Calibri" panose="020F0502020204030204" pitchFamily="34" charset="0"/>
                 <a:cs typeface="Calibri" panose="020F0502020204030204" pitchFamily="34" charset="0"/>
               </a:rPr>
-              <a:t>Kunvar</a:t>
+              <a:t>Kunvor</a:t>
             </a:r>
             <a:r>
               <a:rPr lang="en-GB" sz="3800" b="1" i="1" dirty="0">
@@ -16298,7 +16334,7 @@
                   <a:schemeClr val="bg1"/>
                 </a:solidFill>
               </a:rPr>
-              <a:t>TUJHEA HATAN JUPRONN MHOZO</a:t>
+              <a:t>TUJHEA HATANT</a:t>
             </a:r>
           </a:p>
         </p:txBody>
@@ -16714,6 +16750,17 @@
               <a:buNone/>
             </a:pPr>
             <a:r>
+              <a:rPr lang="en-GB" sz="3800" b="1" i="1" dirty="0" err="1">
+                <a:solidFill>
+                  <a:schemeClr val="bg1"/>
+                </a:solidFill>
+                <a:latin typeface="Calibri" panose="020F0502020204030204" pitchFamily="34" charset="0"/>
+                <a:ea typeface="Calibri" panose="020F0502020204030204" pitchFamily="34" charset="0"/>
+                <a:cs typeface="Calibri" panose="020F0502020204030204" pitchFamily="34" charset="0"/>
+              </a:rPr>
+              <a:t>Jezu</a:t>
+            </a:r>
+            <a:r>
               <a:rPr lang="en-GB" sz="3800" b="1" i="1" dirty="0">
                 <a:solidFill>
                   <a:schemeClr val="bg1"/>
@@ -16722,7 +16769,7 @@
                 <a:ea typeface="Calibri" panose="020F0502020204030204" pitchFamily="34" charset="0"/>
                 <a:cs typeface="Calibri" panose="020F0502020204030204" pitchFamily="34" charset="0"/>
               </a:rPr>
-              <a:t>Jesu tum mog </a:t>
+              <a:t> tum mog </a:t>
             </a:r>
             <a:r>
               <a:rPr lang="en-GB" sz="3800" b="1" i="1" dirty="0" err="1">
@@ -16755,7 +16802,7 @@
                 <a:ea typeface="Calibri" panose="020F0502020204030204" pitchFamily="34" charset="0"/>
                 <a:cs typeface="Calibri" panose="020F0502020204030204" pitchFamily="34" charset="0"/>
               </a:rPr>
-              <a:t>Omrud</a:t>
+              <a:t>Omrut</a:t>
             </a:r>
             <a:r>
               <a:rPr lang="en-GB" sz="3800" b="1" i="1" dirty="0">
@@ -16854,7 +16901,7 @@
                 <a:ea typeface="Calibri" panose="020F0502020204030204" pitchFamily="34" charset="0"/>
                 <a:cs typeface="Calibri" panose="020F0502020204030204" pitchFamily="34" charset="0"/>
               </a:rPr>
-              <a:t>Kunvar</a:t>
+              <a:t>Kunvor</a:t>
             </a:r>
             <a:r>
               <a:rPr lang="en-GB" sz="3800" b="1" i="1" dirty="0">
